--- a/Hackaroo2018 Fall-Outliers.pptx
+++ b/Hackaroo2018 Fall-Outliers.pptx
@@ -6911,8 +6911,8 @@
         </p:blipFill>
         <p:spPr>
           <a:xfrm>
-            <a:off x="329000" y="274638"/>
-            <a:ext cx="4543077" cy="2990087"/>
+            <a:off x="4143723" y="2943998"/>
+            <a:ext cx="4831465" cy="3179893"/>
           </a:xfrm>
           <a:prstGeom prst="rect">
             <a:avLst/>
@@ -6941,8 +6941,38 @@
         </p:blipFill>
         <p:spPr>
           <a:xfrm>
-            <a:off x="3657600" y="3017520"/>
-            <a:ext cx="5358384" cy="3383280"/>
+            <a:off x="1153549" y="159281"/>
+            <a:ext cx="6794697" cy="3105443"/>
+          </a:xfrm>
+          <a:prstGeom prst="rect">
+            <a:avLst/>
+          </a:prstGeom>
+        </p:spPr>
+      </p:pic>
+      <p:pic>
+        <p:nvPicPr>
+          <p:cNvPr id="5" name="Picture 4" descr="A screenshot of a cell phone&#10;&#10;Description generated with very high confidence">
+            <a:extLst>
+              <a:ext uri="{FF2B5EF4-FFF2-40B4-BE49-F238E27FC236}">
+                <a16:creationId xmlns:a16="http://schemas.microsoft.com/office/drawing/2014/main" id="{CEAF8DC9-D66A-452F-905E-1DCD5918CB27}"/>
+              </a:ext>
+            </a:extLst>
+          </p:cNvPr>
+          <p:cNvPicPr>
+            <a:picLocks noChangeAspect="1"/>
+          </p:cNvPicPr>
+          <p:nvPr/>
+        </p:nvPicPr>
+        <p:blipFill>
+          <a:blip r:embed="rId4"/>
+          <a:stretch>
+            <a:fillRect/>
+          </a:stretch>
+        </p:blipFill>
+        <p:spPr>
+          <a:xfrm>
+            <a:off x="168812" y="3035670"/>
+            <a:ext cx="3723341" cy="2957302"/>
           </a:xfrm>
           <a:prstGeom prst="rect">
             <a:avLst/>
